--- a/presentations/session-7/NET.pptx
+++ b/presentations/session-7/NET.pptx
@@ -143,6 +143,11 @@
       </a:defRPr>
     </a:lvl9pPr>
   </p:defaultTextStyle>
+  <p:extLst>
+    <p:ext uri="{EFAFB233-063F-42B5-8137-9DF3F51BA10A}">
+      <p15:sldGuideLst xmlns:p15="http://schemas.microsoft.com/office/powerpoint/2012/main"/>
+    </p:ext>
+  </p:extLst>
 </p:presentation>
 </file>
 
@@ -295,7 +300,7 @@
           <a:p>
             <a:fld id="{3BD7588F-F353-4ECE-8665-2539A638025F}" type="datetimeFigureOut">
               <a:rPr lang="en-US" smtClean="0"/>
-              <a:t>7/24/2024</a:t>
+              <a:t>7/25/2024</a:t>
             </a:fld>
             <a:endParaRPr lang="en-US"/>
           </a:p>
@@ -495,7 +500,7 @@
           <a:p>
             <a:fld id="{3BD7588F-F353-4ECE-8665-2539A638025F}" type="datetimeFigureOut">
               <a:rPr lang="en-US" smtClean="0"/>
-              <a:t>7/24/2024</a:t>
+              <a:t>7/25/2024</a:t>
             </a:fld>
             <a:endParaRPr lang="en-US"/>
           </a:p>
@@ -705,7 +710,7 @@
           <a:p>
             <a:fld id="{3BD7588F-F353-4ECE-8665-2539A638025F}" type="datetimeFigureOut">
               <a:rPr lang="en-US" smtClean="0"/>
-              <a:t>7/24/2024</a:t>
+              <a:t>7/25/2024</a:t>
             </a:fld>
             <a:endParaRPr lang="en-US"/>
           </a:p>
@@ -905,7 +910,7 @@
           <a:p>
             <a:fld id="{3BD7588F-F353-4ECE-8665-2539A638025F}" type="datetimeFigureOut">
               <a:rPr lang="en-US" smtClean="0"/>
-              <a:t>7/24/2024</a:t>
+              <a:t>7/25/2024</a:t>
             </a:fld>
             <a:endParaRPr lang="en-US"/>
           </a:p>
@@ -1181,7 +1186,7 @@
           <a:p>
             <a:fld id="{3BD7588F-F353-4ECE-8665-2539A638025F}" type="datetimeFigureOut">
               <a:rPr lang="en-US" smtClean="0"/>
-              <a:t>7/24/2024</a:t>
+              <a:t>7/25/2024</a:t>
             </a:fld>
             <a:endParaRPr lang="en-US"/>
           </a:p>
@@ -1449,7 +1454,7 @@
           <a:p>
             <a:fld id="{3BD7588F-F353-4ECE-8665-2539A638025F}" type="datetimeFigureOut">
               <a:rPr lang="en-US" smtClean="0"/>
-              <a:t>7/24/2024</a:t>
+              <a:t>7/25/2024</a:t>
             </a:fld>
             <a:endParaRPr lang="en-US"/>
           </a:p>
@@ -1864,7 +1869,7 @@
           <a:p>
             <a:fld id="{3BD7588F-F353-4ECE-8665-2539A638025F}" type="datetimeFigureOut">
               <a:rPr lang="en-US" smtClean="0"/>
-              <a:t>7/24/2024</a:t>
+              <a:t>7/25/2024</a:t>
             </a:fld>
             <a:endParaRPr lang="en-US"/>
           </a:p>
@@ -2006,7 +2011,7 @@
           <a:p>
             <a:fld id="{3BD7588F-F353-4ECE-8665-2539A638025F}" type="datetimeFigureOut">
               <a:rPr lang="en-US" smtClean="0"/>
-              <a:t>7/24/2024</a:t>
+              <a:t>7/25/2024</a:t>
             </a:fld>
             <a:endParaRPr lang="en-US"/>
           </a:p>
@@ -2119,7 +2124,7 @@
           <a:p>
             <a:fld id="{3BD7588F-F353-4ECE-8665-2539A638025F}" type="datetimeFigureOut">
               <a:rPr lang="en-US" smtClean="0"/>
-              <a:t>7/24/2024</a:t>
+              <a:t>7/25/2024</a:t>
             </a:fld>
             <a:endParaRPr lang="en-US"/>
           </a:p>
@@ -2432,7 +2437,7 @@
           <a:p>
             <a:fld id="{3BD7588F-F353-4ECE-8665-2539A638025F}" type="datetimeFigureOut">
               <a:rPr lang="en-US" smtClean="0"/>
-              <a:t>7/24/2024</a:t>
+              <a:t>7/25/2024</a:t>
             </a:fld>
             <a:endParaRPr lang="en-US"/>
           </a:p>
@@ -2721,7 +2726,7 @@
           <a:p>
             <a:fld id="{3BD7588F-F353-4ECE-8665-2539A638025F}" type="datetimeFigureOut">
               <a:rPr lang="en-US" smtClean="0"/>
-              <a:t>7/24/2024</a:t>
+              <a:t>7/25/2024</a:t>
             </a:fld>
             <a:endParaRPr lang="en-US"/>
           </a:p>
@@ -2964,7 +2969,7 @@
           <a:p>
             <a:fld id="{3BD7588F-F353-4ECE-8665-2539A638025F}" type="datetimeFigureOut">
               <a:rPr lang="en-US" smtClean="0"/>
-              <a:t>7/24/2024</a:t>
+              <a:t>7/25/2024</a:t>
             </a:fld>
             <a:endParaRPr lang="en-US"/>
           </a:p>
